--- a/SoftSkills Assignment Module – (1)-dilip.pptx
+++ b/SoftSkills Assignment Module – (1)-dilip.pptx
@@ -316,7 +316,8 @@
           <a:p>
             <a:fld id="{62ACA090-8170-4255-B1D5-A46F4060937C}" type="datetimeFigureOut">
               <a:rPr lang="en-US" smtClean="0"/>
-              <a:t>5/28/2024</a:t>
+              <a:pPr/>
+              <a:t>6/6/2024</a:t>
             </a:fld>
             <a:endParaRPr lang="en-US"/>
           </a:p>
@@ -355,6 +356,7 @@
           <a:p>
             <a:fld id="{7C738B02-A978-4B8E-ACB8-39E32FD0EDF8}" type="slidenum">
               <a:rPr lang="en-US" smtClean="0"/>
+              <a:pPr/>
               <a:t>‹#›</a:t>
             </a:fld>
             <a:endParaRPr lang="en-US"/>
@@ -510,7 +512,8 @@
           <a:p>
             <a:fld id="{62ACA090-8170-4255-B1D5-A46F4060937C}" type="datetimeFigureOut">
               <a:rPr lang="en-US" smtClean="0"/>
-              <a:t>5/28/2024</a:t>
+              <a:pPr/>
+              <a:t>6/6/2024</a:t>
             </a:fld>
             <a:endParaRPr lang="en-US"/>
           </a:p>
@@ -556,6 +559,7 @@
           <a:p>
             <a:fld id="{7C738B02-A978-4B8E-ACB8-39E32FD0EDF8}" type="slidenum">
               <a:rPr lang="en-US" smtClean="0"/>
+              <a:pPr/>
               <a:t>‹#›</a:t>
             </a:fld>
             <a:endParaRPr lang="en-US"/>
@@ -698,7 +702,8 @@
           <a:p>
             <a:fld id="{62ACA090-8170-4255-B1D5-A46F4060937C}" type="datetimeFigureOut">
               <a:rPr lang="en-US" smtClean="0"/>
-              <a:t>5/28/2024</a:t>
+              <a:pPr/>
+              <a:t>6/6/2024</a:t>
             </a:fld>
             <a:endParaRPr lang="en-US"/>
           </a:p>
@@ -744,6 +749,7 @@
           <a:p>
             <a:fld id="{7C738B02-A978-4B8E-ACB8-39E32FD0EDF8}" type="slidenum">
               <a:rPr lang="en-US" smtClean="0"/>
+              <a:pPr/>
               <a:t>‹#›</a:t>
             </a:fld>
             <a:endParaRPr lang="en-US"/>
@@ -927,7 +933,8 @@
           <a:p>
             <a:fld id="{62ACA090-8170-4255-B1D5-A46F4060937C}" type="datetimeFigureOut">
               <a:rPr lang="en-US" smtClean="0"/>
-              <a:t>5/28/2024</a:t>
+              <a:pPr/>
+              <a:t>6/6/2024</a:t>
             </a:fld>
             <a:endParaRPr lang="en-US"/>
           </a:p>
@@ -973,6 +980,7 @@
           <a:p>
             <a:fld id="{7C738B02-A978-4B8E-ACB8-39E32FD0EDF8}" type="slidenum">
               <a:rPr lang="en-US" smtClean="0"/>
+              <a:pPr/>
               <a:t>‹#›</a:t>
             </a:fld>
             <a:endParaRPr lang="en-US"/>
@@ -1208,7 +1216,8 @@
           <a:p>
             <a:fld id="{62ACA090-8170-4255-B1D5-A46F4060937C}" type="datetimeFigureOut">
               <a:rPr lang="en-US" smtClean="0"/>
-              <a:t>5/28/2024</a:t>
+              <a:pPr/>
+              <a:t>6/6/2024</a:t>
             </a:fld>
             <a:endParaRPr lang="en-US"/>
           </a:p>
@@ -1247,6 +1256,7 @@
           <a:p>
             <a:fld id="{7C738B02-A978-4B8E-ACB8-39E32FD0EDF8}" type="slidenum">
               <a:rPr lang="en-US" smtClean="0"/>
+              <a:pPr/>
               <a:t>‹#›</a:t>
             </a:fld>
             <a:endParaRPr lang="en-US"/>
@@ -1496,7 +1506,8 @@
           <a:p>
             <a:fld id="{62ACA090-8170-4255-B1D5-A46F4060937C}" type="datetimeFigureOut">
               <a:rPr lang="en-US" smtClean="0"/>
-              <a:t>5/28/2024</a:t>
+              <a:pPr/>
+              <a:t>6/6/2024</a:t>
             </a:fld>
             <a:endParaRPr lang="en-US"/>
           </a:p>
@@ -1547,6 +1558,7 @@
           <a:p>
             <a:fld id="{7C738B02-A978-4B8E-ACB8-39E32FD0EDF8}" type="slidenum">
               <a:rPr lang="en-US" smtClean="0"/>
+              <a:pPr/>
               <a:t>‹#›</a:t>
             </a:fld>
             <a:endParaRPr lang="en-US"/>
@@ -2050,7 +2062,8 @@
           <a:p>
             <a:fld id="{62ACA090-8170-4255-B1D5-A46F4060937C}" type="datetimeFigureOut">
               <a:rPr lang="en-US" smtClean="0"/>
-              <a:t>5/28/2024</a:t>
+              <a:pPr/>
+              <a:t>6/6/2024</a:t>
             </a:fld>
             <a:endParaRPr lang="en-US"/>
           </a:p>
@@ -2101,6 +2114,7 @@
           <a:p>
             <a:fld id="{7C738B02-A978-4B8E-ACB8-39E32FD0EDF8}" type="slidenum">
               <a:rPr lang="en-US" smtClean="0"/>
+              <a:pPr/>
               <a:t>‹#›</a:t>
             </a:fld>
             <a:endParaRPr lang="en-US"/>
@@ -2181,7 +2195,8 @@
           <a:p>
             <a:fld id="{62ACA090-8170-4255-B1D5-A46F4060937C}" type="datetimeFigureOut">
               <a:rPr lang="en-US" smtClean="0"/>
-              <a:t>5/28/2024</a:t>
+              <a:pPr/>
+              <a:t>6/6/2024</a:t>
             </a:fld>
             <a:endParaRPr lang="en-US"/>
           </a:p>
@@ -2227,6 +2242,7 @@
           <a:p>
             <a:fld id="{7C738B02-A978-4B8E-ACB8-39E32FD0EDF8}" type="slidenum">
               <a:rPr lang="en-US" smtClean="0"/>
+              <a:pPr/>
               <a:t>‹#›</a:t>
             </a:fld>
             <a:endParaRPr lang="en-US"/>
@@ -2331,7 +2347,8 @@
           <a:p>
             <a:fld id="{62ACA090-8170-4255-B1D5-A46F4060937C}" type="datetimeFigureOut">
               <a:rPr lang="en-US" smtClean="0"/>
-              <a:t>5/28/2024</a:t>
+              <a:pPr/>
+              <a:t>6/6/2024</a:t>
             </a:fld>
             <a:endParaRPr lang="en-US"/>
           </a:p>
@@ -2377,6 +2394,7 @@
           <a:p>
             <a:fld id="{7C738B02-A978-4B8E-ACB8-39E32FD0EDF8}" type="slidenum">
               <a:rPr lang="en-US" smtClean="0"/>
+              <a:pPr/>
               <a:t>‹#›</a:t>
             </a:fld>
             <a:endParaRPr lang="en-US"/>
@@ -2652,7 +2670,8 @@
           <a:p>
             <a:fld id="{62ACA090-8170-4255-B1D5-A46F4060937C}" type="datetimeFigureOut">
               <a:rPr lang="en-US" smtClean="0"/>
-              <a:t>5/28/2024</a:t>
+              <a:pPr/>
+              <a:t>6/6/2024</a:t>
             </a:fld>
             <a:endParaRPr lang="en-US"/>
           </a:p>
@@ -2691,6 +2710,7 @@
           <a:p>
             <a:fld id="{7C738B02-A978-4B8E-ACB8-39E32FD0EDF8}" type="slidenum">
               <a:rPr lang="en-US" smtClean="0"/>
+              <a:pPr/>
               <a:t>‹#›</a:t>
             </a:fld>
             <a:endParaRPr lang="en-US"/>
@@ -2949,7 +2969,8 @@
           <a:p>
             <a:fld id="{62ACA090-8170-4255-B1D5-A46F4060937C}" type="datetimeFigureOut">
               <a:rPr lang="en-US" smtClean="0"/>
-              <a:t>5/28/2024</a:t>
+              <a:pPr/>
+              <a:t>6/6/2024</a:t>
             </a:fld>
             <a:endParaRPr lang="en-US"/>
           </a:p>
@@ -2988,6 +3009,7 @@
           <a:p>
             <a:fld id="{7C738B02-A978-4B8E-ACB8-39E32FD0EDF8}" type="slidenum">
               <a:rPr lang="en-US" smtClean="0"/>
+              <a:pPr/>
               <a:t>‹#›</a:t>
             </a:fld>
             <a:endParaRPr lang="en-US"/>
@@ -3194,7 +3216,8 @@
           <a:p>
             <a:fld id="{62ACA090-8170-4255-B1D5-A46F4060937C}" type="datetimeFigureOut">
               <a:rPr lang="en-US" smtClean="0"/>
-              <a:t>5/28/2024</a:t>
+              <a:pPr/>
+              <a:t>6/6/2024</a:t>
             </a:fld>
             <a:endParaRPr lang="en-US"/>
           </a:p>
@@ -3237,6 +3260,7 @@
           <a:p>
             <a:fld id="{7C738B02-A978-4B8E-ACB8-39E32FD0EDF8}" type="slidenum">
               <a:rPr lang="en-US" smtClean="0"/>
+              <a:pPr/>
               <a:t>‹#›</a:t>
             </a:fld>
             <a:endParaRPr lang="en-US"/>
@@ -3762,19 +3786,7 @@
               <a:rPr lang="en-US" sz="2200" dirty="0" smtClean="0">
                 <a:latin typeface="Trebuchet MS" panose="020B0603020202020204" pitchFamily="34" charset="0"/>
               </a:rPr>
-              <a:t>Briefly introduce yourself: name, educational background, and current </a:t>
-            </a:r>
-            <a:r>
-              <a:rPr lang="en-US" sz="2200" dirty="0" smtClean="0">
-                <a:latin typeface="Trebuchet MS" panose="020B0603020202020204" pitchFamily="34" charset="0"/>
-              </a:rPr>
-              <a:t>status (</a:t>
-            </a:r>
-            <a:r>
-              <a:rPr lang="en-US" sz="2200" dirty="0" smtClean="0">
-                <a:latin typeface="Trebuchet MS" panose="020B0603020202020204" pitchFamily="34" charset="0"/>
-              </a:rPr>
-              <a:t>student or professional).</a:t>
+              <a:t>Briefly introduce yourself: name, educational background, and current status (student or professional).</a:t>
             </a:r>
             <a:r>
               <a:rPr lang="en-IN" sz="2200" dirty="0" smtClean="0">
@@ -3828,13 +3840,7 @@
               <a:rPr lang="en-IN" sz="1800" dirty="0" smtClean="0">
                 <a:latin typeface="Trebuchet MS" panose="020B0603020202020204" pitchFamily="34" charset="0"/>
               </a:rPr>
-              <a:t>My name </a:t>
-            </a:r>
-            <a:r>
-              <a:rPr lang="en-IN" sz="1800" dirty="0" smtClean="0">
-                <a:latin typeface="Trebuchet MS" panose="020B0603020202020204" pitchFamily="34" charset="0"/>
-              </a:rPr>
-              <a:t>is </a:t>
+              <a:t>My name is </a:t>
             </a:r>
             <a:r>
               <a:rPr lang="en-IN" sz="1800" dirty="0" err="1" smtClean="0">
@@ -3852,13 +3858,7 @@
               <a:rPr lang="en-IN" sz="1800" dirty="0" err="1" smtClean="0">
                 <a:latin typeface="Trebuchet MS" panose="020B0603020202020204" pitchFamily="34" charset="0"/>
               </a:rPr>
-              <a:t>B</a:t>
-            </a:r>
-            <a:r>
-              <a:rPr lang="en-IN" sz="1800" dirty="0" err="1" smtClean="0">
-                <a:latin typeface="Trebuchet MS" panose="020B0603020202020204" pitchFamily="34" charset="0"/>
-              </a:rPr>
-              <a:t>heda</a:t>
+              <a:t>Bheda</a:t>
             </a:r>
             <a:r>
               <a:rPr lang="en-IN" sz="1800" dirty="0" smtClean="0">
@@ -3870,19 +3870,7 @@
               <a:rPr lang="en-US" sz="1800" dirty="0" smtClean="0">
                 <a:latin typeface="Trebuchet MS" panose="020B0603020202020204" pitchFamily="34" charset="0"/>
               </a:rPr>
-              <a:t>I </a:t>
-            </a:r>
-            <a:r>
-              <a:rPr lang="en-US" sz="1800" dirty="0" smtClean="0">
-                <a:latin typeface="Trebuchet MS" panose="020B0603020202020204" pitchFamily="34" charset="0"/>
-              </a:rPr>
-              <a:t>completed Bachelor of </a:t>
-            </a:r>
-            <a:r>
-              <a:rPr lang="en-US" sz="1800" dirty="0" smtClean="0">
-                <a:latin typeface="Trebuchet MS" panose="020B0603020202020204" pitchFamily="34" charset="0"/>
-              </a:rPr>
-              <a:t>computer applications in 2023 from </a:t>
+              <a:t>I completed Bachelor of computer applications in 2023 from </a:t>
             </a:r>
             <a:r>
               <a:rPr lang="en-US" sz="1800" dirty="0" err="1" smtClean="0">
@@ -3906,19 +3894,7 @@
               <a:rPr lang="en-US" sz="1800" dirty="0" smtClean="0">
                 <a:latin typeface="Trebuchet MS" panose="020B0603020202020204" pitchFamily="34" charset="0"/>
               </a:rPr>
-              <a:t>I </a:t>
-            </a:r>
-            <a:r>
-              <a:rPr lang="en-US" sz="1800" dirty="0" smtClean="0">
-                <a:latin typeface="Trebuchet MS" panose="020B0603020202020204" pitchFamily="34" charset="0"/>
-              </a:rPr>
-              <a:t>studied web designing from tops </a:t>
-            </a:r>
-            <a:r>
-              <a:rPr lang="en-US" sz="1800" dirty="0" smtClean="0">
-                <a:latin typeface="Trebuchet MS" panose="020B0603020202020204" pitchFamily="34" charset="0"/>
-              </a:rPr>
-              <a:t>technology from </a:t>
+              <a:t>I studied web designing from tops technology from </a:t>
             </a:r>
             <a:r>
               <a:rPr lang="en-US" sz="1800" dirty="0" err="1" smtClean="0">
@@ -3942,13 +3918,7 @@
               <a:rPr lang="en-US" sz="1800" dirty="0" smtClean="0">
                 <a:latin typeface="Trebuchet MS" panose="020B0603020202020204" pitchFamily="34" charset="0"/>
               </a:rPr>
-              <a:t> </a:t>
-            </a:r>
-            <a:r>
-              <a:rPr lang="en-US" sz="1800" dirty="0" smtClean="0">
-                <a:latin typeface="Trebuchet MS" panose="020B0603020202020204" pitchFamily="34" charset="0"/>
-              </a:rPr>
-              <a:t>student.</a:t>
+              <a:t> student.</a:t>
             </a:r>
             <a:endParaRPr lang="en-IN" sz="1800" b="1" dirty="0" smtClean="0">
               <a:latin typeface="Trebuchet MS" panose="020B0603020202020204" pitchFamily="34" charset="0"/>
@@ -4018,19 +3988,7 @@
               <a:rPr lang="en-US" sz="2400" dirty="0" smtClean="0">
                 <a:latin typeface="Trebuchet MS" panose="020B0603020202020204" pitchFamily="34" charset="0"/>
               </a:rPr>
-              <a:t>Mention key personality traits, such as your creativity, analytical skills, or passion </a:t>
-            </a:r>
-            <a:r>
-              <a:rPr lang="en-US" sz="2400" dirty="0" smtClean="0">
-                <a:latin typeface="Trebuchet MS" panose="020B0603020202020204" pitchFamily="34" charset="0"/>
-              </a:rPr>
-              <a:t>for </a:t>
-            </a:r>
-            <a:r>
-              <a:rPr lang="en-US" sz="2400" dirty="0" smtClean="0">
-                <a:latin typeface="Trebuchet MS" panose="020B0603020202020204" pitchFamily="34" charset="0"/>
-              </a:rPr>
-              <a:t>problem-solving.</a:t>
+              <a:t>Mention key personality traits, such as your creativity, analytical skills, or passion for problem-solving.</a:t>
             </a:r>
             <a:r>
               <a:rPr lang="en-IN" sz="2400" dirty="0" smtClean="0"/>
@@ -4078,13 +4036,7 @@
               <a:rPr lang="en-US" sz="2000" dirty="0" smtClean="0">
                 <a:latin typeface="Trebuchet MS" panose="020B0603020202020204" pitchFamily="34" charset="0"/>
               </a:rPr>
-              <a:t>I am good in website designing, I am good at solving </a:t>
-            </a:r>
-            <a:r>
-              <a:rPr lang="en-US" sz="2000" dirty="0" smtClean="0">
-                <a:latin typeface="Trebuchet MS" panose="020B0603020202020204" pitchFamily="34" charset="0"/>
-              </a:rPr>
-              <a:t>any</a:t>
+              <a:t>I am good in website designing, I am good at solving any</a:t>
             </a:r>
           </a:p>
           <a:p>
@@ -4202,7 +4154,9 @@
           </a:xfrm>
         </p:spPr>
         <p:txBody>
-          <a:bodyPr/>
+          <a:bodyPr>
+            <a:normAutofit fontScale="62500" lnSpcReduction="20000"/>
+          </a:bodyPr>
           <a:lstStyle/>
           <a:p>
             <a:pPr>
@@ -4218,33 +4172,88 @@
               <a:rPr lang="en-US" sz="2000" dirty="0" smtClean="0">
                 <a:latin typeface="Trebuchet MS" panose="020B0603020202020204" pitchFamily="34" charset="0"/>
               </a:rPr>
-              <a:t>I love to design and I want to advance in the design field I </a:t>
-            </a:r>
-            <a:r>
-              <a:rPr lang="en-US" sz="2000" dirty="0" smtClean="0">
+              <a:t>I love to design and I want to advance in the design field I  am interested in learning all the new technologies that come in design so I chose the website design career path.</a:t>
+            </a:r>
+          </a:p>
+          <a:p>
+            <a:pPr>
+              <a:buNone/>
+            </a:pPr>
+            <a:endParaRPr lang="en-GB" sz="2000" dirty="0" smtClean="0">
+              <a:latin typeface="Trebuchet MS" panose="020B0603020202020204" pitchFamily="34" charset="0"/>
+            </a:endParaRPr>
+          </a:p>
+          <a:p>
+            <a:pPr>
+              <a:buNone/>
+            </a:pPr>
+            <a:endParaRPr lang="en-GB" sz="2000" dirty="0" smtClean="0">
+              <a:latin typeface="Trebuchet MS" panose="020B0603020202020204" pitchFamily="34" charset="0"/>
+            </a:endParaRPr>
+          </a:p>
+          <a:p>
+            <a:pPr>
+              <a:buNone/>
+            </a:pPr>
+            <a:endParaRPr lang="en-GB" sz="2000" dirty="0" smtClean="0">
+              <a:latin typeface="Trebuchet MS" panose="020B0603020202020204" pitchFamily="34" charset="0"/>
+            </a:endParaRPr>
+          </a:p>
+          <a:p>
+            <a:pPr>
+              <a:buNone/>
+            </a:pPr>
+            <a:endParaRPr lang="en-GB" sz="2000" dirty="0" smtClean="0">
+              <a:latin typeface="Trebuchet MS" panose="020B0603020202020204" pitchFamily="34" charset="0"/>
+            </a:endParaRPr>
+          </a:p>
+          <a:p>
+            <a:pPr algn="ctr">
+              <a:buNone/>
+            </a:pPr>
+            <a:r>
+              <a:rPr lang="en-GB" sz="4000" dirty="0" smtClean="0">
+                <a:solidFill>
+                  <a:schemeClr val="tx2">
+                    <a:lumMod val="10000"/>
+                  </a:schemeClr>
+                </a:solidFill>
                 <a:latin typeface="Trebuchet MS" panose="020B0603020202020204" pitchFamily="34" charset="0"/>
+                <a:hlinkClick r:id="rId2"/>
               </a:rPr>
-              <a:t> am </a:t>
-            </a:r>
-            <a:r>
-              <a:rPr lang="en-US" sz="2000" dirty="0" smtClean="0">
+              <a:t>My </a:t>
+            </a:r>
+            <a:r>
+              <a:rPr lang="en-GB" sz="4000" dirty="0" err="1" smtClean="0">
+                <a:solidFill>
+                  <a:schemeClr val="tx2">
+                    <a:lumMod val="10000"/>
+                  </a:schemeClr>
+                </a:solidFill>
                 <a:latin typeface="Trebuchet MS" panose="020B0603020202020204" pitchFamily="34" charset="0"/>
+                <a:hlinkClick r:id="rId2"/>
               </a:rPr>
-              <a:t>interested in learning all the </a:t>
-            </a:r>
-            <a:r>
-              <a:rPr lang="en-US" sz="2000" dirty="0" smtClean="0">
+              <a:t>youtube</a:t>
+            </a:r>
+            <a:r>
+              <a:rPr lang="en-GB" sz="4000" dirty="0" smtClean="0">
+                <a:solidFill>
+                  <a:schemeClr val="tx2">
+                    <a:lumMod val="10000"/>
+                  </a:schemeClr>
+                </a:solidFill>
                 <a:latin typeface="Trebuchet MS" panose="020B0603020202020204" pitchFamily="34" charset="0"/>
+                <a:hlinkClick r:id="rId2"/>
               </a:rPr>
-              <a:t>new technologies </a:t>
-            </a:r>
-            <a:r>
-              <a:rPr lang="en-US" sz="2000" dirty="0" smtClean="0">
-                <a:latin typeface="Trebuchet MS" panose="020B0603020202020204" pitchFamily="34" charset="0"/>
-              </a:rPr>
-              <a:t>that come in design so I chose the website design career path.</a:t>
-            </a:r>
-            <a:endParaRPr lang="en-IN" sz="2000" dirty="0" smtClean="0"/>
+              <a:t> video link</a:t>
+            </a:r>
+            <a:endParaRPr lang="en-IN" sz="4000" dirty="0" smtClean="0">
+              <a:solidFill>
+                <a:schemeClr val="tx2">
+                  <a:lumMod val="10000"/>
+                </a:schemeClr>
+              </a:solidFill>
+            </a:endParaRPr>
           </a:p>
           <a:p>
             <a:pPr>
